--- a/week1.pptx
+++ b/week1.pptx
@@ -5,19 +5,20 @@
     <p:sldMasterId id="2147483648" r:id="rId1"/>
   </p:sldMasterIdLst>
   <p:notesMasterIdLst>
-    <p:notesMasterId r:id="rId5"/>
+    <p:notesMasterId r:id="rId6"/>
   </p:notesMasterIdLst>
   <p:handoutMasterIdLst>
-    <p:handoutMasterId r:id="rId6"/>
+    <p:handoutMasterId r:id="rId7"/>
   </p:handoutMasterIdLst>
   <p:sldIdLst>
-    <p:sldId id="257" r:id="rId3"/>
-    <p:sldId id="258" r:id="rId4"/>
+    <p:sldId id="259" r:id="rId3"/>
+    <p:sldId id="257" r:id="rId4"/>
+    <p:sldId id="258" r:id="rId5"/>
   </p:sldIdLst>
   <p:sldSz cx="12192000" cy="6858000"/>
   <p:notesSz cx="6858000" cy="9144000"/>
   <p:custDataLst>
-    <p:tags r:id="rId10"/>
+    <p:tags r:id="rId11"/>
   </p:custDataLst>
   <p:defaultTextStyle>
     <a:defPPr>
@@ -3589,6 +3590,146 @@
       <p:grpSpPr/>
       <p:sp>
         <p:nvSpPr>
+          <p:cNvPr id="2" name="标题 1"/>
+          <p:cNvSpPr>
+            <a:spLocks noGrp="1"/>
+          </p:cNvSpPr>
+          <p:nvPr>
+            <p:ph type="title"/>
+            <p:custDataLst>
+              <p:tags r:id="rId1"/>
+            </p:custDataLst>
+          </p:nvPr>
+        </p:nvSpPr>
+        <p:spPr/>
+        <p:txBody>
+          <a:bodyPr/>
+          <a:p>
+            <a:r>
+              <a:rPr lang="zh-CN" altLang="en-US"/>
+              <a:t>说明</a:t>
+            </a:r>
+            <a:r>
+              <a:rPr lang="en-US" altLang="zh-CN"/>
+              <a:t>（</a:t>
+            </a:r>
+            <a:r>
+              <a:rPr lang="zh-CN" altLang="en-US"/>
+              <a:t>删掉此页</a:t>
+            </a:r>
+            <a:r>
+              <a:rPr lang="en-US" altLang="zh-CN"/>
+              <a:t>）</a:t>
+            </a:r>
+            <a:endParaRPr lang="en-US" altLang="zh-CN"/>
+          </a:p>
+        </p:txBody>
+      </p:sp>
+      <p:sp>
+        <p:nvSpPr>
+          <p:cNvPr id="4" name="文本框 3"/>
+          <p:cNvSpPr txBox="1"/>
+          <p:nvPr/>
+        </p:nvSpPr>
+        <p:spPr>
+          <a:xfrm>
+            <a:off x="608330" y="1684020"/>
+            <a:ext cx="8558530" cy="2553335"/>
+          </a:xfrm>
+          <a:prstGeom prst="rect">
+            <a:avLst/>
+          </a:prstGeom>
+        </p:spPr>
+        <p:txBody>
+          <a:bodyPr wrap="square">
+            <a:spAutoFit/>
+          </a:bodyPr>
+          <a:p>
+            <a:r>
+              <a:rPr lang="en-US" altLang="zh-CN" sz="1600"/>
+              <a:t>There are two main types of collaborative filtering:</a:t>
+            </a:r>
+            <a:endParaRPr lang="en-US" altLang="zh-CN" sz="1600"/>
+          </a:p>
+          <a:p>
+            <a:endParaRPr lang="en-US" altLang="zh-CN" sz="1600"/>
+          </a:p>
+          <a:p>
+            <a:pPr>
+              <a:buFont typeface="Arial" panose="020B0604020202090204"/>
+              <a:buChar char="•"/>
+            </a:pPr>
+            <a:r>
+              <a:rPr lang="en-US" altLang="zh-CN" sz="1600" b="1"/>
+              <a:t>User-based filtering</a:t>
+            </a:r>
+            <a:r>
+              <a:rPr lang="en-US" altLang="zh-CN" sz="1600"/>
+              <a:t> finds people who have similar tastes to you and recommends things they liked but you haven’t tried yet.</a:t>
+            </a:r>
+            <a:endParaRPr lang="en-US" altLang="zh-CN" sz="1600"/>
+          </a:p>
+          <a:p>
+            <a:pPr>
+              <a:buFont typeface="Arial" panose="020B0604020202090204"/>
+              <a:buChar char="•"/>
+            </a:pPr>
+            <a:endParaRPr lang="en-US" altLang="zh-CN" sz="1600"/>
+          </a:p>
+          <a:p>
+            <a:pPr>
+              <a:buFont typeface="Arial" panose="020B0604020202090204"/>
+              <a:buChar char="•"/>
+            </a:pPr>
+            <a:r>
+              <a:rPr lang="en-US" altLang="zh-CN" sz="1600" b="1"/>
+              <a:t>Item-based filtering</a:t>
+            </a:r>
+            <a:r>
+              <a:rPr lang="en-US" altLang="zh-CN" sz="1600"/>
+              <a:t> looks at what items are similar to the ones you liked and recommends those.</a:t>
+            </a:r>
+            <a:endParaRPr lang="en-US" altLang="zh-CN" sz="1600"/>
+          </a:p>
+          <a:p>
+            <a:pPr>
+              <a:buFont typeface="Arial" panose="020B0604020202090204"/>
+              <a:buChar char="•"/>
+            </a:pPr>
+            <a:endParaRPr lang="en-US" altLang="zh-CN" sz="1600"/>
+          </a:p>
+          <a:p>
+            <a:r>
+              <a:rPr lang="en-US" altLang="zh-CN" sz="1600"/>
+              <a:t>The main difference is that user-based compares people, while item-based compares items.</a:t>
+            </a:r>
+            <a:endParaRPr lang="en-US" altLang="zh-CN" sz="1600"/>
+          </a:p>
+        </p:txBody>
+      </p:sp>
+    </p:spTree>
+    <p:custDataLst>
+      <p:tags r:id="rId2"/>
+    </p:custDataLst>
+  </p:cSld>
+  <p:clrMapOvr>
+    <a:masterClrMapping/>
+  </p:clrMapOvr>
+</p:sld>
+</file>
+
+<file path=ppt/slides/slide2.xml><?xml version="1.0" encoding="utf-8"?>
+<p:sld xmlns:a="http://schemas.openxmlformats.org/drawingml/2006/main" xmlns:r="http://schemas.openxmlformats.org/officeDocument/2006/relationships" xmlns:p="http://schemas.openxmlformats.org/presentationml/2006/main">
+  <p:cSld>
+    <p:spTree>
+      <p:nvGrpSpPr>
+        <p:cNvPr id="1" name=""/>
+        <p:cNvGrpSpPr/>
+        <p:nvPr/>
+      </p:nvGrpSpPr>
+      <p:grpSpPr/>
+      <p:sp>
+        <p:nvSpPr>
           <p:cNvPr id="15" name="流程图: 可选过程 14"/>
           <p:cNvSpPr/>
           <p:nvPr/>
@@ -4454,7 +4595,7 @@
 </p:sld>
 </file>
 
-<file path=ppt/slides/slide2.xml><?xml version="1.0" encoding="utf-8"?>
+<file path=ppt/slides/slide3.xml><?xml version="1.0" encoding="utf-8"?>
 <p:sld xmlns:a="http://schemas.openxmlformats.org/drawingml/2006/main" xmlns:r="http://schemas.openxmlformats.org/officeDocument/2006/relationships" xmlns:p="http://schemas.openxmlformats.org/presentationml/2006/main">
   <p:cSld>
     <p:spTree>
@@ -6095,7 +6236,6 @@
   <p:tag name="KSO_WM_BEAUTIFY_FLAG" val="#wm#"/>
   <p:tag name="KSO_WM_TEMPLATE_CATEGORY" val="custom"/>
   <p:tag name="KSO_WM_TEMPLATE_INDEX" val="20205081"/>
-  <p:tag name="resource_record_key" val="{&quot;10&quot;:[20117096,20117377,20117395,20117089,20117388,3636863,3637632],&quot;65&quot;:[20205081]}"/>
 </p:tagLst>
 </file>
 
@@ -6117,10 +6257,32 @@
   <p:tag name="KSO_WM_BEAUTIFY_FLAG" val="#wm#"/>
   <p:tag name="KSO_WM_TEMPLATE_CATEGORY" val="custom"/>
   <p:tag name="KSO_WM_TEMPLATE_INDEX" val="20205081"/>
+  <p:tag name="resource_record_key" val="{&quot;10&quot;:[20117096,20117377,20117395,20117089,20117388,3636863,3637632],&quot;65&quot;:[20205081]}"/>
 </p:tagLst>
 </file>
 
 <file path=ppt/tags/tag67.xml><?xml version="1.0" encoding="utf-8"?>
+<p:tagLst xmlns:p="http://schemas.openxmlformats.org/presentationml/2006/main">
+  <p:tag name="KSO_WM_UNIT_HIGHLIGHT" val="0"/>
+  <p:tag name="KSO_WM_UNIT_COMPATIBLE" val="0"/>
+  <p:tag name="KSO_WM_UNIT_DIAGRAM_ISNUMVISUAL" val="0"/>
+  <p:tag name="KSO_WM_UNIT_DIAGRAM_ISREFERUNIT" val="0"/>
+  <p:tag name="KSO_WM_UNIT_ID" val="_2**"/>
+  <p:tag name="KSO_WM_UNIT_LAYERLEVEL" val="1"/>
+  <p:tag name="KSO_WM_TAG_VERSION" val="1.0"/>
+  <p:tag name="KSO_WM_BEAUTIFY_FLAG" val="#wm#"/>
+</p:tagLst>
+</file>
+
+<file path=ppt/tags/tag68.xml><?xml version="1.0" encoding="utf-8"?>
+<p:tagLst xmlns:p="http://schemas.openxmlformats.org/presentationml/2006/main">
+  <p:tag name="KSO_WM_BEAUTIFY_FLAG" val="#wm#"/>
+  <p:tag name="KSO_WM_TEMPLATE_CATEGORY" val="custom"/>
+  <p:tag name="KSO_WM_TEMPLATE_INDEX" val="20205081"/>
+</p:tagLst>
+</file>
+
+<file path=ppt/tags/tag69.xml><?xml version="1.0" encoding="utf-8"?>
 <p:tagLst xmlns:p="http://schemas.openxmlformats.org/presentationml/2006/main">
   <p:tag name="resource_record_key" val="{&quot;10&quot;:[20117096,20117377,20117395,20117089,20117388,3636863,3637632],&quot;65&quot;:[20205081]}"/>
 </p:tagLst>
